--- a/PCEP Extensions for Segment Routing leveraging the IPv6.pptx
+++ b/PCEP Extensions for Segment Routing leveraging the IPv6.pptx
@@ -220,7 +220,7 @@
           <a:p>
             <a:fld id="{20EA5F0D-C1DC-412F-A146-DDB3A74B588F}" type="datetimeFigureOut">
               <a:rPr lang="en-US"/>
-              <a:t>11/6/2017</a:t>
+              <a:t>11/10/2017</a:t>
             </a:fld>
             <a:endParaRPr/>
           </a:p>
@@ -385,7 +385,7 @@
           <a:p>
             <a:fld id="{A8CDE508-72C8-4AB5-AA9C-1584D31690E0}" type="datetimeFigureOut">
               <a:rPr lang="en-US"/>
-              <a:t>11/6/2017</a:t>
+              <a:t>11/10/2017</a:t>
             </a:fld>
             <a:endParaRPr/>
           </a:p>
@@ -5695,7 +5695,7 @@
           <a:p>
             <a:r>
               <a:rPr lang="en-US" dirty="0" smtClean="0"/>
-              <a:t>Introduction</a:t>
+              <a:t>Introduction &amp; Motivation</a:t>
             </a:r>
             <a:endParaRPr lang="en-US" dirty="0"/>
           </a:p>
@@ -5713,68 +5713,67 @@
         </p:nvSpPr>
         <p:spPr/>
         <p:txBody>
-          <a:bodyPr/>
+          <a:bodyPr>
+            <a:normAutofit/>
+          </a:bodyPr>
           <a:lstStyle/>
           <a:p>
             <a:r>
-              <a:rPr lang="en-US" dirty="0"/>
+              <a:rPr lang="en-US" sz="2800" dirty="0"/>
               <a:t>Segment Routing (SR) can be used to steer packets through an IPv6 or MPLS network using the source routing paradigm</a:t>
             </a:r>
             <a:r>
-              <a:rPr lang="en-US" dirty="0" smtClean="0"/>
+              <a:rPr lang="en-US" sz="2800" dirty="0" smtClean="0"/>
               <a:t>.</a:t>
             </a:r>
           </a:p>
           <a:p>
             <a:r>
-              <a:rPr lang="en-US" dirty="0"/>
+              <a:rPr lang="en-US" sz="2800" dirty="0"/>
               <a:t>Since SR can be applied to both MPLS and IPv6 data </a:t>
             </a:r>
             <a:r>
-              <a:rPr lang="en-US" dirty="0" smtClean="0"/>
+              <a:rPr lang="en-US" sz="2800" dirty="0" smtClean="0"/>
               <a:t>plane</a:t>
             </a:r>
           </a:p>
           <a:p>
             <a:pPr lvl="1"/>
             <a:r>
-              <a:rPr lang="en-US" dirty="0" smtClean="0"/>
+              <a:rPr lang="en-US" sz="2400" dirty="0" smtClean="0"/>
               <a:t> </a:t>
             </a:r>
             <a:r>
-              <a:rPr lang="en-US" dirty="0"/>
+              <a:rPr lang="en-US" sz="2400" dirty="0"/>
               <a:t>Should a PCE </a:t>
             </a:r>
             <a:r>
-              <a:rPr lang="en-US" dirty="0" smtClean="0"/>
+              <a:rPr lang="en-US" sz="2400" dirty="0" smtClean="0"/>
               <a:t>be </a:t>
             </a:r>
             <a:r>
-              <a:rPr lang="en-US" dirty="0"/>
+              <a:rPr lang="en-US" sz="2400" dirty="0"/>
               <a:t>able to compute SR-Path for both MPLS and IPv6 forwarding plane</a:t>
             </a:r>
             <a:r>
-              <a:rPr lang="en-US" dirty="0" smtClean="0"/>
+              <a:rPr lang="en-US" sz="2400" dirty="0" smtClean="0"/>
               <a:t>?</a:t>
             </a:r>
           </a:p>
           <a:p>
             <a:pPr lvl="1"/>
             <a:r>
-              <a:rPr lang="en-US" dirty="0" smtClean="0"/>
+              <a:rPr lang="en-US" sz="2400" dirty="0" smtClean="0"/>
               <a:t> And </a:t>
             </a:r>
             <a:r>
-              <a:rPr lang="en-US" dirty="0"/>
+              <a:rPr lang="en-US" sz="2400" dirty="0"/>
               <a:t>thus </a:t>
             </a:r>
             <a:r>
-              <a:rPr lang="en-US" dirty="0" smtClean="0"/>
+              <a:rPr lang="en-US" sz="2400" dirty="0" smtClean="0"/>
               <a:t>should PCEP be able to do this? </a:t>
             </a:r>
-          </a:p>
-          <a:p>
-            <a:endParaRPr lang="en-US" dirty="0"/>
           </a:p>
         </p:txBody>
       </p:sp>
@@ -5911,7 +5910,96 @@
           <a:bodyPr/>
           <a:lstStyle/>
           <a:p>
-            <a:endParaRPr lang="en-IN"/>
+            <a:r>
+              <a:rPr lang="en-US" dirty="0"/>
+              <a:t>Segment Routing can be applied to the IPv6 the Segment Routing Header (SRH). </a:t>
+            </a:r>
+            <a:endParaRPr lang="en-US" dirty="0" smtClean="0"/>
+          </a:p>
+          <a:p>
+            <a:pPr lvl="1"/>
+            <a:r>
+              <a:rPr lang="en-US" dirty="0" smtClean="0"/>
+              <a:t>Segment identified by an IPv6 address </a:t>
+            </a:r>
+          </a:p>
+          <a:p>
+            <a:pPr lvl="1"/>
+            <a:r>
+              <a:rPr lang="en-US" dirty="0" smtClean="0"/>
+              <a:t>Making it an </a:t>
+            </a:r>
+            <a:r>
+              <a:rPr lang="en-US" dirty="0"/>
+              <a:t>ordered list of IPv6 addresses in the routing </a:t>
+            </a:r>
+            <a:r>
+              <a:rPr lang="en-US" dirty="0" smtClean="0"/>
+              <a:t>header</a:t>
+            </a:r>
+          </a:p>
+          <a:p>
+            <a:r>
+              <a:rPr lang="en-US" dirty="0"/>
+              <a:t>This document extends [I-</a:t>
+            </a:r>
+            <a:r>
+              <a:rPr lang="en-US" dirty="0" err="1"/>
+              <a:t>D.ietf</a:t>
+            </a:r>
+            <a:r>
+              <a:rPr lang="en-US" dirty="0"/>
+              <a:t>-</a:t>
+            </a:r>
+            <a:r>
+              <a:rPr lang="en-US" dirty="0" err="1"/>
+              <a:t>pce</a:t>
+            </a:r>
+            <a:r>
+              <a:rPr lang="en-US" dirty="0"/>
+              <a:t>-segment-routing] to support SR for IPv6 data plane</a:t>
+            </a:r>
+            <a:r>
+              <a:rPr lang="en-US" dirty="0" smtClean="0"/>
+              <a:t>.</a:t>
+            </a:r>
+          </a:p>
+          <a:p>
+            <a:pPr lvl="1"/>
+            <a:r>
+              <a:rPr lang="en-IN" dirty="0" smtClean="0"/>
+              <a:t>Extend SR-ERO, SR-RRO </a:t>
+            </a:r>
+            <a:r>
+              <a:rPr lang="en-IN" dirty="0" err="1" smtClean="0"/>
+              <a:t>subobjects</a:t>
+            </a:r>
+            <a:r>
+              <a:rPr lang="en-IN" dirty="0" smtClean="0"/>
+              <a:t> for SRv6</a:t>
+            </a:r>
+          </a:p>
+          <a:p>
+            <a:pPr lvl="1"/>
+            <a:r>
+              <a:rPr lang="en-US" dirty="0" smtClean="0"/>
+              <a:t>Capability advertisement for SRv6 in PCEP</a:t>
+            </a:r>
+          </a:p>
+          <a:p>
+            <a:pPr lvl="1"/>
+            <a:r>
+              <a:rPr lang="en-US" dirty="0" smtClean="0"/>
+              <a:t>A new path setup type </a:t>
+            </a:r>
+            <a:endParaRPr lang="en-IN" dirty="0" smtClean="0"/>
+          </a:p>
+          <a:p>
+            <a:pPr lvl="1"/>
+            <a:endParaRPr lang="en-US" dirty="0" smtClean="0"/>
+          </a:p>
+          <a:p>
+            <a:endParaRPr lang="en-IN" dirty="0"/>
           </a:p>
         </p:txBody>
       </p:sp>
@@ -5983,6 +6071,13 @@
       </p:transition>
     </mc:Fallback>
   </mc:AlternateContent>
+  <p:timing>
+    <p:tnLst>
+      <p:par>
+        <p:cTn id="1" dur="indefinite" restart="never" nodeType="tmRoot"/>
+      </p:par>
+    </p:tnLst>
+  </p:timing>
 </p:sld>
 </file>
 
@@ -6041,7 +6136,71 @@
           <a:bodyPr/>
           <a:lstStyle/>
           <a:p>
-            <a:endParaRPr lang="en-IN"/>
+            <a:r>
+              <a:rPr lang="en-US" dirty="0" smtClean="0"/>
+              <a:t>No change here, all messages remains the same – </a:t>
+            </a:r>
+          </a:p>
+          <a:p>
+            <a:pPr lvl="1"/>
+            <a:r>
+              <a:rPr lang="en-US" dirty="0" err="1" smtClean="0"/>
+              <a:t>PCReq</a:t>
+            </a:r>
+            <a:endParaRPr lang="en-US" dirty="0" smtClean="0"/>
+          </a:p>
+          <a:p>
+            <a:pPr lvl="1"/>
+            <a:r>
+              <a:rPr lang="en-US" dirty="0" err="1" smtClean="0"/>
+              <a:t>PCRep</a:t>
+            </a:r>
+            <a:endParaRPr lang="en-US" dirty="0" smtClean="0"/>
+          </a:p>
+          <a:p>
+            <a:pPr lvl="1"/>
+            <a:r>
+              <a:rPr lang="en-US" dirty="0" err="1" smtClean="0"/>
+              <a:t>PCRpt</a:t>
+            </a:r>
+            <a:endParaRPr lang="en-US" dirty="0" smtClean="0"/>
+          </a:p>
+          <a:p>
+            <a:pPr lvl="1"/>
+            <a:r>
+              <a:rPr lang="en-US" dirty="0" err="1" smtClean="0"/>
+              <a:t>PCUpd</a:t>
+            </a:r>
+            <a:endParaRPr lang="en-US" dirty="0" smtClean="0"/>
+          </a:p>
+          <a:p>
+            <a:pPr lvl="1"/>
+            <a:r>
+              <a:rPr lang="en-US" dirty="0" err="1" smtClean="0"/>
+              <a:t>PCInitiate</a:t>
+            </a:r>
+            <a:endParaRPr lang="en-US" dirty="0" smtClean="0"/>
+          </a:p>
+          <a:p>
+            <a:r>
+              <a:rPr lang="en-US" dirty="0" smtClean="0"/>
+              <a:t>Only,</a:t>
+            </a:r>
+          </a:p>
+          <a:p>
+            <a:pPr lvl="1"/>
+            <a:r>
+              <a:rPr lang="en-US" dirty="0" smtClean="0"/>
+              <a:t>The ERO object will use SR-ERO sub-object extended for SRv6</a:t>
+            </a:r>
+          </a:p>
+          <a:p>
+            <a:pPr lvl="1"/>
+            <a:r>
+              <a:rPr lang="en-US" dirty="0" smtClean="0"/>
+              <a:t>The RRO object will use SR-RRO sub-object extended for SRv6</a:t>
+            </a:r>
+            <a:endParaRPr lang="en-IN" dirty="0"/>
           </a:p>
         </p:txBody>
       </p:sp>
@@ -6113,6 +6272,13 @@
       </p:transition>
     </mc:Fallback>
   </mc:AlternateContent>
+  <p:timing>
+    <p:tnLst>
+      <p:par>
+        <p:cTn id="1" dur="indefinite" restart="never" nodeType="tmRoot"/>
+      </p:par>
+    </p:tnLst>
+  </p:timing>
 </p:sld>
 </file>
 
@@ -6170,12 +6336,124 @@
             <p:ph idx="1"/>
           </p:nvPr>
         </p:nvSpPr>
-        <p:spPr/>
-        <p:txBody>
-          <a:bodyPr/>
+        <p:spPr>
+          <a:xfrm>
+            <a:off x="271306" y="1673352"/>
+            <a:ext cx="5835880" cy="4343400"/>
+          </a:xfrm>
+        </p:spPr>
+        <p:txBody>
+          <a:bodyPr>
+            <a:normAutofit/>
+          </a:bodyPr>
           <a:lstStyle/>
           <a:p>
-            <a:endParaRPr lang="en-IN"/>
+            <a:r>
+              <a:rPr lang="en-IN" dirty="0"/>
+              <a:t>SRv6-PCE-CAPABILITY </a:t>
+            </a:r>
+            <a:r>
+              <a:rPr lang="en-IN" dirty="0" smtClean="0"/>
+              <a:t>TLV in OPEN</a:t>
+            </a:r>
+          </a:p>
+          <a:p>
+            <a:r>
+              <a:rPr lang="en-US" dirty="0" smtClean="0"/>
+              <a:t>A new PST value for SRv6, carried in </a:t>
+            </a:r>
+            <a:r>
+              <a:rPr lang="en-IN" dirty="0"/>
+              <a:t>PATH-SETUP-TYPE </a:t>
+            </a:r>
+            <a:r>
+              <a:rPr lang="en-IN" dirty="0" smtClean="0"/>
+              <a:t>TLV in RP/SRP object</a:t>
+            </a:r>
+          </a:p>
+          <a:p>
+            <a:r>
+              <a:rPr lang="en-US" dirty="0" smtClean="0"/>
+              <a:t>SR-ERO Sub-object extended</a:t>
+            </a:r>
+          </a:p>
+          <a:p>
+            <a:pPr lvl="1"/>
+            <a:r>
+              <a:rPr lang="en-US" dirty="0"/>
+              <a:t>a new SID Type (ST</a:t>
+            </a:r>
+            <a:r>
+              <a:rPr lang="en-US" dirty="0" smtClean="0"/>
+              <a:t>)</a:t>
+            </a:r>
+          </a:p>
+          <a:p>
+            <a:pPr lvl="1"/>
+            <a:r>
+              <a:rPr lang="en-US" dirty="0"/>
+              <a:t>SRv6 Identifier </a:t>
+            </a:r>
+            <a:r>
+              <a:rPr lang="en-US" dirty="0" smtClean="0"/>
+              <a:t>(SRv6I) is </a:t>
+            </a:r>
+            <a:r>
+              <a:rPr lang="en-US" dirty="0"/>
+              <a:t>the 128 bit IPv6 addresses representing </a:t>
+            </a:r>
+            <a:r>
+              <a:rPr lang="en-US" dirty="0" smtClean="0"/>
+              <a:t>SRv6 </a:t>
+            </a:r>
+            <a:r>
+              <a:rPr lang="en-IN" dirty="0" smtClean="0"/>
+              <a:t>segment.</a:t>
+            </a:r>
+          </a:p>
+          <a:p>
+            <a:pPr lvl="1"/>
+            <a:r>
+              <a:rPr lang="en-IN" dirty="0" smtClean="0"/>
+              <a:t>SRv6ST indicates NAI</a:t>
+            </a:r>
+          </a:p>
+          <a:p>
+            <a:pPr lvl="1"/>
+            <a:r>
+              <a:rPr lang="en-US" dirty="0" err="1" smtClean="0"/>
+              <a:t>Fn</a:t>
+            </a:r>
+            <a:r>
+              <a:rPr lang="en-US" dirty="0" smtClean="0"/>
+              <a:t> Code indicates function associated with SRv6 SID</a:t>
+            </a:r>
+          </a:p>
+          <a:p>
+            <a:pPr lvl="1"/>
+            <a:r>
+              <a:rPr lang="en-US" dirty="0" smtClean="0"/>
+              <a:t>NAI - </a:t>
+            </a:r>
+            <a:r>
+              <a:rPr lang="en-IN" dirty="0"/>
+              <a:t>IPv6 Node </a:t>
+            </a:r>
+            <a:r>
+              <a:rPr lang="en-IN" dirty="0" smtClean="0"/>
+              <a:t>ID or </a:t>
+            </a:r>
+            <a:r>
+              <a:rPr lang="en-IN" dirty="0"/>
+              <a:t>IPv6 </a:t>
+            </a:r>
+            <a:r>
+              <a:rPr lang="en-IN" dirty="0" smtClean="0"/>
+              <a:t>Adjacency (optional)</a:t>
+            </a:r>
+          </a:p>
+          <a:p>
+            <a:endParaRPr lang="en-IN" dirty="0"/>
           </a:p>
         </p:txBody>
       </p:sp>
@@ -6225,6 +6503,87 @@
           </a:p>
         </p:txBody>
       </p:sp>
+      <p:pic>
+        <p:nvPicPr>
+          <p:cNvPr id="6" name="Picture 5"/>
+          <p:cNvPicPr>
+            <a:picLocks noChangeAspect="1"/>
+          </p:cNvPicPr>
+          <p:nvPr/>
+        </p:nvPicPr>
+        <p:blipFill>
+          <a:blip r:embed="rId2"/>
+          <a:stretch>
+            <a:fillRect/>
+          </a:stretch>
+        </p:blipFill>
+        <p:spPr>
+          <a:xfrm>
+            <a:off x="6382839" y="121507"/>
+            <a:ext cx="5669388" cy="1754697"/>
+          </a:xfrm>
+          <a:prstGeom prst="rect">
+            <a:avLst/>
+          </a:prstGeom>
+          <a:effectLst>
+            <a:softEdge rad="31750"/>
+          </a:effectLst>
+        </p:spPr>
+      </p:pic>
+      <p:pic>
+        <p:nvPicPr>
+          <p:cNvPr id="7" name="Picture 6"/>
+          <p:cNvPicPr>
+            <a:picLocks noChangeAspect="1"/>
+          </p:cNvPicPr>
+          <p:nvPr/>
+        </p:nvPicPr>
+        <p:blipFill>
+          <a:blip r:embed="rId3"/>
+          <a:stretch>
+            <a:fillRect/>
+          </a:stretch>
+        </p:blipFill>
+        <p:spPr>
+          <a:xfrm>
+            <a:off x="6245761" y="2010458"/>
+            <a:ext cx="5806466" cy="2099595"/>
+          </a:xfrm>
+          <a:prstGeom prst="rect">
+            <a:avLst/>
+          </a:prstGeom>
+          <a:effectLst>
+            <a:softEdge rad="31750"/>
+          </a:effectLst>
+        </p:spPr>
+      </p:pic>
+      <p:pic>
+        <p:nvPicPr>
+          <p:cNvPr id="8" name="Picture 7"/>
+          <p:cNvPicPr>
+            <a:picLocks noChangeAspect="1"/>
+          </p:cNvPicPr>
+          <p:nvPr/>
+        </p:nvPicPr>
+        <p:blipFill>
+          <a:blip r:embed="rId4"/>
+          <a:stretch>
+            <a:fillRect/>
+          </a:stretch>
+        </p:blipFill>
+        <p:spPr>
+          <a:xfrm>
+            <a:off x="6203693" y="4252607"/>
+            <a:ext cx="5848533" cy="2248677"/>
+          </a:xfrm>
+          <a:prstGeom prst="rect">
+            <a:avLst/>
+          </a:prstGeom>
+          <a:effectLst>
+            <a:softEdge rad="31750"/>
+          </a:effectLst>
+        </p:spPr>
+      </p:pic>
     </p:spTree>
     <p:extLst>
       <p:ext uri="{BB962C8B-B14F-4D97-AF65-F5344CB8AC3E}">
@@ -6247,6 +6606,13 @@
       </p:transition>
     </mc:Fallback>
   </mc:AlternateContent>
+  <p:timing>
+    <p:tnLst>
+      <p:par>
+        <p:cTn id="1" dur="indefinite" restart="never" nodeType="tmRoot"/>
+      </p:par>
+    </p:tnLst>
+  </p:timing>
 </p:sld>
 </file>
 
@@ -6305,7 +6671,44 @@
           <a:bodyPr/>
           <a:lstStyle/>
           <a:p>
-            <a:endParaRPr lang="en-IN"/>
+            <a:r>
+              <a:rPr lang="en-US" dirty="0" smtClean="0"/>
+              <a:t>With this draft, we are making sure that the PCE </a:t>
+            </a:r>
+            <a:r>
+              <a:rPr lang="en-US" dirty="0" smtClean="0"/>
+              <a:t>and the</a:t>
+            </a:r>
+            <a:r>
+              <a:rPr lang="en-US" dirty="0" smtClean="0"/>
+              <a:t> PCEP can be used for both modes of SR</a:t>
+            </a:r>
+          </a:p>
+          <a:p>
+            <a:pPr lvl="1"/>
+            <a:r>
+              <a:rPr lang="en-US" dirty="0" smtClean="0"/>
+              <a:t>Straight forward extension to existing SR work in PCEP </a:t>
+            </a:r>
+          </a:p>
+          <a:p>
+            <a:r>
+              <a:rPr lang="en-US" dirty="0" smtClean="0"/>
+              <a:t>What does the WG think? </a:t>
+            </a:r>
+          </a:p>
+          <a:p>
+            <a:r>
+              <a:rPr lang="en-US" dirty="0" smtClean="0"/>
+              <a:t>Comments?</a:t>
+            </a:r>
+            <a:r>
+              <a:rPr lang="en-US" dirty="0" smtClean="0"/>
+              <a:t> </a:t>
+            </a:r>
+          </a:p>
+          <a:p>
+            <a:endParaRPr lang="en-IN" dirty="0"/>
           </a:p>
         </p:txBody>
       </p:sp>
@@ -6377,6 +6780,13 @@
       </p:transition>
     </mc:Fallback>
   </mc:AlternateContent>
+  <p:timing>
+    <p:tnLst>
+      <p:par>
+        <p:cTn id="1" dur="indefinite" restart="never" nodeType="tmRoot"/>
+      </p:par>
+    </p:tnLst>
+  </p:timing>
 </p:sld>
 </file>
 
@@ -6397,60 +6807,31 @@
           <a:chExt cx="0" cy="0"/>
         </a:xfrm>
       </p:grpSpPr>
-      <p:sp>
-        <p:nvSpPr>
-          <p:cNvPr id="2" name="Title 1"/>
-          <p:cNvSpPr>
-            <a:spLocks noGrp="1"/>
-          </p:cNvSpPr>
-          <p:nvPr>
-            <p:ph type="title"/>
-          </p:nvPr>
-        </p:nvSpPr>
+      <p:pic>
+        <p:nvPicPr>
+          <p:cNvPr id="7" name="Picture Placeholder 6"/>
+          <p:cNvPicPr>
+            <a:picLocks noGrp="1" noChangeAspect="1"/>
+          </p:cNvPicPr>
+          <p:nvPr>
+            <p:ph type="pic" idx="1"/>
+          </p:nvPr>
+        </p:nvPicPr>
+        <p:blipFill>
+          <a:blip r:embed="rId2">
+            <a:extLst>
+              <a:ext uri="{28A0092B-C50C-407E-A947-70E740481C1C}">
+                <a14:useLocalDpi xmlns:a14="http://schemas.microsoft.com/office/drawing/2010/main" val="0"/>
+              </a:ext>
+            </a:extLst>
+          </a:blip>
+          <a:srcRect l="12787" r="12787"/>
+          <a:stretch>
+            <a:fillRect/>
+          </a:stretch>
+        </p:blipFill>
         <p:spPr/>
-        <p:txBody>
-          <a:bodyPr/>
-          <a:lstStyle/>
-          <a:p>
-            <a:r>
-              <a:rPr lang="en-US" dirty="0" smtClean="0"/>
-              <a:t>Thank You! </a:t>
-            </a:r>
-            <a:endParaRPr lang="en-IN" dirty="0"/>
-          </a:p>
-        </p:txBody>
-      </p:sp>
-      <p:sp>
-        <p:nvSpPr>
-          <p:cNvPr id="3" name="Picture Placeholder 2"/>
-          <p:cNvSpPr>
-            <a:spLocks noGrp="1"/>
-          </p:cNvSpPr>
-          <p:nvPr>
-            <p:ph type="pic" idx="1"/>
-          </p:nvPr>
-        </p:nvSpPr>
-        <p:spPr/>
-      </p:sp>
-      <p:sp>
-        <p:nvSpPr>
-          <p:cNvPr id="4" name="Text Placeholder 3"/>
-          <p:cNvSpPr>
-            <a:spLocks noGrp="1"/>
-          </p:cNvSpPr>
-          <p:nvPr>
-            <p:ph type="body" sz="half" idx="2"/>
-          </p:nvPr>
-        </p:nvSpPr>
-        <p:spPr/>
-        <p:txBody>
-          <a:bodyPr/>
-          <a:lstStyle/>
-          <a:p>
-            <a:endParaRPr lang="en-IN"/>
-          </a:p>
-        </p:txBody>
-      </p:sp>
+      </p:pic>
       <p:sp>
         <p:nvSpPr>
           <p:cNvPr id="5" name="Footer Placeholder 4"/>
@@ -6519,6 +6900,13 @@
       </p:transition>
     </mc:Fallback>
   </mc:AlternateContent>
+  <p:timing>
+    <p:tnLst>
+      <p:par>
+        <p:cTn id="1" dur="indefinite" restart="never" nodeType="tmRoot"/>
+      </p:par>
+    </p:tnLst>
+  </p:timing>
 </p:sld>
 </file>
 
